--- a/lectures/ReinforcementLearning.pptx
+++ b/lectures/ReinforcementLearning.pptx
@@ -3225,7 +3225,7 @@
           <a:p>
             <a:fld id="{3DB82215-7059-470B-A089-3D5FBCE3F595}" type="datetimeFigureOut">
               <a:rPr lang="en-US" smtClean="0"/>
-              <a:t>4/7/2025</a:t>
+              <a:t>4/8/2025</a:t>
             </a:fld>
             <a:endParaRPr lang="en-US"/>
           </a:p>
@@ -3433,7 +3433,7 @@
           <a:p>
             <a:fld id="{3DB82215-7059-470B-A089-3D5FBCE3F595}" type="datetimeFigureOut">
               <a:rPr lang="en-US" smtClean="0"/>
-              <a:t>4/7/2025</a:t>
+              <a:t>4/8/2025</a:t>
             </a:fld>
             <a:endParaRPr lang="en-US"/>
           </a:p>
@@ -3689,7 +3689,7 @@
           <a:p>
             <a:fld id="{3DB82215-7059-470B-A089-3D5FBCE3F595}" type="datetimeFigureOut">
               <a:rPr lang="en-US" smtClean="0"/>
-              <a:t>4/7/2025</a:t>
+              <a:t>4/8/2025</a:t>
             </a:fld>
             <a:endParaRPr lang="en-US"/>
           </a:p>
@@ -3859,7 +3859,7 @@
           <a:p>
             <a:fld id="{3DB82215-7059-470B-A089-3D5FBCE3F595}" type="datetimeFigureOut">
               <a:rPr lang="en-US" smtClean="0"/>
-              <a:t>4/7/2025</a:t>
+              <a:t>4/8/2025</a:t>
             </a:fld>
             <a:endParaRPr lang="en-US"/>
           </a:p>
@@ -4202,7 +4202,7 @@
           <a:p>
             <a:fld id="{3DB82215-7059-470B-A089-3D5FBCE3F595}" type="datetimeFigureOut">
               <a:rPr lang="en-US" smtClean="0"/>
-              <a:t>4/7/2025</a:t>
+              <a:t>4/8/2025</a:t>
             </a:fld>
             <a:endParaRPr lang="en-US"/>
           </a:p>
@@ -4477,7 +4477,7 @@
           <a:p>
             <a:fld id="{3DB82215-7059-470B-A089-3D5FBCE3F595}" type="datetimeFigureOut">
               <a:rPr lang="en-US" smtClean="0"/>
-              <a:t>4/7/2025</a:t>
+              <a:t>4/8/2025</a:t>
             </a:fld>
             <a:endParaRPr lang="en-US"/>
           </a:p>
@@ -4856,7 +4856,7 @@
           <a:p>
             <a:fld id="{3DB82215-7059-470B-A089-3D5FBCE3F595}" type="datetimeFigureOut">
               <a:rPr lang="en-US" smtClean="0"/>
-              <a:t>4/7/2025</a:t>
+              <a:t>4/8/2025</a:t>
             </a:fld>
             <a:endParaRPr lang="en-US"/>
           </a:p>
@@ -4974,7 +4974,7 @@
           <a:p>
             <a:fld id="{3DB82215-7059-470B-A089-3D5FBCE3F595}" type="datetimeFigureOut">
               <a:rPr lang="en-US" smtClean="0"/>
-              <a:t>4/7/2025</a:t>
+              <a:t>4/8/2025</a:t>
             </a:fld>
             <a:endParaRPr lang="en-US"/>
           </a:p>
@@ -5145,7 +5145,7 @@
           <a:p>
             <a:fld id="{3DB82215-7059-470B-A089-3D5FBCE3F595}" type="datetimeFigureOut">
               <a:rPr lang="en-US" smtClean="0"/>
-              <a:t>4/7/2025</a:t>
+              <a:t>4/8/2025</a:t>
             </a:fld>
             <a:endParaRPr lang="en-US"/>
           </a:p>
@@ -5499,7 +5499,7 @@
           <a:p>
             <a:fld id="{3DB82215-7059-470B-A089-3D5FBCE3F595}" type="datetimeFigureOut">
               <a:rPr lang="en-US" smtClean="0"/>
-              <a:t>4/7/2025</a:t>
+              <a:t>4/8/2025</a:t>
             </a:fld>
             <a:endParaRPr lang="en-US"/>
           </a:p>
@@ -5876,7 +5876,7 @@
           <a:p>
             <a:fld id="{3DB82215-7059-470B-A089-3D5FBCE3F595}" type="datetimeFigureOut">
               <a:rPr lang="en-US" smtClean="0"/>
-              <a:t>4/7/2025</a:t>
+              <a:t>4/8/2025</a:t>
             </a:fld>
             <a:endParaRPr lang="en-US"/>
           </a:p>
@@ -6163,7 +6163,7 @@
           <a:p>
             <a:fld id="{3DB82215-7059-470B-A089-3D5FBCE3F595}" type="datetimeFigureOut">
               <a:rPr lang="en-US" smtClean="0"/>
-              <a:t>4/7/2025</a:t>
+              <a:t>4/8/2025</a:t>
             </a:fld>
             <a:endParaRPr lang="en-US"/>
           </a:p>
@@ -9106,8 +9106,8 @@
           </a:fontRef>
         </p:style>
       </p:cxnSp>
-      <mc:AlternateContent xmlns:mc="http://schemas.openxmlformats.org/markup-compatibility/2006">
-        <mc:Choice xmlns:a14="http://schemas.microsoft.com/office/drawing/2010/main" Requires="a14">
+      <mc:AlternateContent xmlns:mc="http://schemas.openxmlformats.org/markup-compatibility/2006" xmlns:a14="http://schemas.microsoft.com/office/drawing/2010/main">
+        <mc:Choice Requires="a14">
           <p:sp>
             <p:nvSpPr>
               <p:cNvPr id="3" name="Content Placeholder 2">
@@ -9360,7 +9360,7 @@
             </p:txBody>
           </p:sp>
         </mc:Choice>
-        <mc:Fallback>
+        <mc:Fallback xmlns="">
           <p:sp>
             <p:nvSpPr>
               <p:cNvPr id="3" name="Content Placeholder 2">
@@ -9935,8 +9935,8 @@
           </a:fontRef>
         </p:style>
       </p:cxnSp>
-      <mc:AlternateContent xmlns:mc="http://schemas.openxmlformats.org/markup-compatibility/2006">
-        <mc:Choice xmlns:a14="http://schemas.microsoft.com/office/drawing/2010/main" Requires="a14">
+      <mc:AlternateContent xmlns:mc="http://schemas.openxmlformats.org/markup-compatibility/2006" xmlns:a14="http://schemas.microsoft.com/office/drawing/2010/main">
+        <mc:Choice Requires="a14">
           <p:sp>
             <p:nvSpPr>
               <p:cNvPr id="3" name="Content Placeholder 2">
@@ -10558,7 +10558,7 @@
             </p:txBody>
           </p:sp>
         </mc:Choice>
-        <mc:Fallback>
+        <mc:Fallback xmlns="">
           <p:sp>
             <p:nvSpPr>
               <p:cNvPr id="3" name="Content Placeholder 2">
@@ -10914,8 +10914,8 @@
           </a:p>
         </p:txBody>
       </p:sp>
-      <mc:AlternateContent xmlns:mc="http://schemas.openxmlformats.org/markup-compatibility/2006">
-        <mc:Choice xmlns:a14="http://schemas.microsoft.com/office/drawing/2010/main" Requires="a14">
+      <mc:AlternateContent xmlns:mc="http://schemas.openxmlformats.org/markup-compatibility/2006" xmlns:a14="http://schemas.microsoft.com/office/drawing/2010/main">
+        <mc:Choice Requires="a14">
           <p:sp>
             <p:nvSpPr>
               <p:cNvPr id="3" name="Content Placeholder 2">
@@ -11040,7 +11040,7 @@
             </p:txBody>
           </p:sp>
         </mc:Choice>
-        <mc:Fallback>
+        <mc:Fallback xmlns="">
           <p:sp>
             <p:nvSpPr>
               <p:cNvPr id="3" name="Content Placeholder 2">
